--- a/class_4_1/class_4_1.pptx
+++ b/class_4_1/class_4_1.pptx
@@ -5,10 +5,20 @@
     <p:sldMasterId id="2147483648" r:id="rId1"/>
   </p:sldMasterIdLst>
   <p:notesMasterIdLst>
-    <p:notesMasterId r:id="rId3"/>
+    <p:notesMasterId r:id="rId13"/>
   </p:notesMasterIdLst>
   <p:sldIdLst>
-    <p:sldId id="256" r:id="rId2"/>
+    <p:sldId id="319" r:id="rId2"/>
+    <p:sldId id="256" r:id="rId3"/>
+    <p:sldId id="323" r:id="rId4"/>
+    <p:sldId id="325" r:id="rId5"/>
+    <p:sldId id="320" r:id="rId6"/>
+    <p:sldId id="321" r:id="rId7"/>
+    <p:sldId id="322" r:id="rId8"/>
+    <p:sldId id="326" r:id="rId9"/>
+    <p:sldId id="327" r:id="rId10"/>
+    <p:sldId id="324" r:id="rId11"/>
+    <p:sldId id="328" r:id="rId12"/>
   </p:sldIdLst>
   <p:sldSz cx="12192000" cy="6858000"/>
   <p:notesSz cx="6858000" cy="9144000"/>
@@ -197,7 +207,7 @@
           <a:p>
             <a:fld id="{8E5940E0-E864-DF4A-BD26-2C2246AC4E05}" type="datetimeFigureOut">
               <a:rPr lang="en-US" smtClean="0"/>
-              <a:t>6/3/20</a:t>
+              <a:t>6/22/20</a:t>
             </a:fld>
             <a:endParaRPr lang="en-US"/>
           </a:p>
@@ -529,7 +539,7 @@
           <a:p>
             <a:fld id="{F91D480C-B22B-9744-AC27-082F71E496D4}" type="slidenum">
               <a:rPr lang="en-US" smtClean="0"/>
-              <a:t>1</a:t>
+              <a:t>2</a:t>
             </a:fld>
             <a:endParaRPr lang="en-US"/>
           </a:p>
@@ -695,7 +705,7 @@
           <a:p>
             <a:fld id="{B4805629-43F6-3C4F-A3A1-18FEAB524198}" type="datetimeFigureOut">
               <a:rPr lang="en-US" smtClean="0"/>
-              <a:t>6/3/20</a:t>
+              <a:t>6/22/20</a:t>
             </a:fld>
             <a:endParaRPr lang="en-US"/>
           </a:p>
@@ -893,7 +903,7 @@
           <a:p>
             <a:fld id="{B4805629-43F6-3C4F-A3A1-18FEAB524198}" type="datetimeFigureOut">
               <a:rPr lang="en-US" smtClean="0"/>
-              <a:t>6/3/20</a:t>
+              <a:t>6/22/20</a:t>
             </a:fld>
             <a:endParaRPr lang="en-US"/>
           </a:p>
@@ -1101,7 +1111,7 @@
           <a:p>
             <a:fld id="{B4805629-43F6-3C4F-A3A1-18FEAB524198}" type="datetimeFigureOut">
               <a:rPr lang="en-US" smtClean="0"/>
-              <a:t>6/3/20</a:t>
+              <a:t>6/22/20</a:t>
             </a:fld>
             <a:endParaRPr lang="en-US"/>
           </a:p>
@@ -1299,7 +1309,7 @@
           <a:p>
             <a:fld id="{B4805629-43F6-3C4F-A3A1-18FEAB524198}" type="datetimeFigureOut">
               <a:rPr lang="en-US" smtClean="0"/>
-              <a:t>6/3/20</a:t>
+              <a:t>6/22/20</a:t>
             </a:fld>
             <a:endParaRPr lang="en-US"/>
           </a:p>
@@ -1574,7 +1584,7 @@
           <a:p>
             <a:fld id="{B4805629-43F6-3C4F-A3A1-18FEAB524198}" type="datetimeFigureOut">
               <a:rPr lang="en-US" smtClean="0"/>
-              <a:t>6/3/20</a:t>
+              <a:t>6/22/20</a:t>
             </a:fld>
             <a:endParaRPr lang="en-US"/>
           </a:p>
@@ -1839,7 +1849,7 @@
           <a:p>
             <a:fld id="{B4805629-43F6-3C4F-A3A1-18FEAB524198}" type="datetimeFigureOut">
               <a:rPr lang="en-US" smtClean="0"/>
-              <a:t>6/3/20</a:t>
+              <a:t>6/22/20</a:t>
             </a:fld>
             <a:endParaRPr lang="en-US"/>
           </a:p>
@@ -2251,7 +2261,7 @@
           <a:p>
             <a:fld id="{B4805629-43F6-3C4F-A3A1-18FEAB524198}" type="datetimeFigureOut">
               <a:rPr lang="en-US" smtClean="0"/>
-              <a:t>6/3/20</a:t>
+              <a:t>6/22/20</a:t>
             </a:fld>
             <a:endParaRPr lang="en-US"/>
           </a:p>
@@ -2392,7 +2402,7 @@
           <a:p>
             <a:fld id="{B4805629-43F6-3C4F-A3A1-18FEAB524198}" type="datetimeFigureOut">
               <a:rPr lang="en-US" smtClean="0"/>
-              <a:t>6/3/20</a:t>
+              <a:t>6/22/20</a:t>
             </a:fld>
             <a:endParaRPr lang="en-US"/>
           </a:p>
@@ -2505,7 +2515,7 @@
           <a:p>
             <a:fld id="{B4805629-43F6-3C4F-A3A1-18FEAB524198}" type="datetimeFigureOut">
               <a:rPr lang="en-US" smtClean="0"/>
-              <a:t>6/3/20</a:t>
+              <a:t>6/22/20</a:t>
             </a:fld>
             <a:endParaRPr lang="en-US"/>
           </a:p>
@@ -2816,7 +2826,7 @@
           <a:p>
             <a:fld id="{B4805629-43F6-3C4F-A3A1-18FEAB524198}" type="datetimeFigureOut">
               <a:rPr lang="en-US" smtClean="0"/>
-              <a:t>6/3/20</a:t>
+              <a:t>6/22/20</a:t>
             </a:fld>
             <a:endParaRPr lang="en-US"/>
           </a:p>
@@ -3104,7 +3114,7 @@
           <a:p>
             <a:fld id="{B4805629-43F6-3C4F-A3A1-18FEAB524198}" type="datetimeFigureOut">
               <a:rPr lang="en-US" smtClean="0"/>
-              <a:t>6/3/20</a:t>
+              <a:t>6/22/20</a:t>
             </a:fld>
             <a:endParaRPr lang="en-US"/>
           </a:p>
@@ -3345,7 +3355,7 @@
           <a:p>
             <a:fld id="{B4805629-43F6-3C4F-A3A1-18FEAB524198}" type="datetimeFigureOut">
               <a:rPr lang="en-US" smtClean="0"/>
-              <a:t>6/3/20</a:t>
+              <a:t>6/22/20</a:t>
             </a:fld>
             <a:endParaRPr lang="en-US"/>
           </a:p>
@@ -3767,6 +3777,301 @@
           <p:cNvPr id="2" name="Title 1">
             <a:extLst>
               <a:ext uri="{FF2B5EF4-FFF2-40B4-BE49-F238E27FC236}">
+                <a16:creationId xmlns:a16="http://schemas.microsoft.com/office/drawing/2014/main" id="{CBCC2D99-A2BA-C743-9C28-3F8F66D71203}"/>
+              </a:ext>
+            </a:extLst>
+          </p:cNvPr>
+          <p:cNvSpPr>
+            <a:spLocks noGrp="1"/>
+          </p:cNvSpPr>
+          <p:nvPr>
+            <p:ph type="title"/>
+          </p:nvPr>
+        </p:nvSpPr>
+        <p:spPr>
+          <a:xfrm>
+            <a:off x="2383221" y="2103437"/>
+            <a:ext cx="10515600" cy="1325563"/>
+          </a:xfrm>
+        </p:spPr>
+        <p:txBody>
+          <a:bodyPr/>
+          <a:lstStyle/>
+          <a:p>
+            <a:r>
+              <a:rPr lang="en-US" dirty="0"/>
+              <a:t>Access the slides and files here: </a:t>
+            </a:r>
+            <a:br>
+              <a:rPr lang="en-US" dirty="0"/>
+            </a:br>
+            <a:r>
+              <a:rPr lang="en-US" dirty="0"/>
+              <a:t>	</a:t>
+            </a:r>
+          </a:p>
+        </p:txBody>
+      </p:sp>
+      <p:sp>
+        <p:nvSpPr>
+          <p:cNvPr id="4" name="Rectangle 3">
+            <a:extLst>
+              <a:ext uri="{FF2B5EF4-FFF2-40B4-BE49-F238E27FC236}">
+                <a16:creationId xmlns:a16="http://schemas.microsoft.com/office/drawing/2014/main" id="{6B53121B-F976-974C-8963-03F6AF4F9F81}"/>
+              </a:ext>
+            </a:extLst>
+          </p:cNvPr>
+          <p:cNvSpPr/>
+          <p:nvPr/>
+        </p:nvSpPr>
+        <p:spPr>
+          <a:xfrm>
+            <a:off x="1316390" y="3038855"/>
+            <a:ext cx="8961749" cy="584775"/>
+          </a:xfrm>
+          <a:prstGeom prst="rect">
+            <a:avLst/>
+          </a:prstGeom>
+        </p:spPr>
+        <p:txBody>
+          <a:bodyPr wrap="none">
+            <a:spAutoFit/>
+          </a:bodyPr>
+          <a:lstStyle/>
+          <a:p>
+            <a:r>
+              <a:rPr lang="en-US" sz="3200" dirty="0">
+                <a:hlinkClick r:id="rId2"/>
+              </a:rPr>
+              <a:t>https://github.com/j-berg/bioinformatics_bootcamp</a:t>
+            </a:r>
+            <a:endParaRPr lang="en-US" sz="3200" dirty="0"/>
+          </a:p>
+        </p:txBody>
+      </p:sp>
+    </p:spTree>
+    <p:extLst>
+      <p:ext uri="{BB962C8B-B14F-4D97-AF65-F5344CB8AC3E}">
+        <p14:creationId xmlns:p14="http://schemas.microsoft.com/office/powerpoint/2010/main" val="738211009"/>
+      </p:ext>
+    </p:extLst>
+  </p:cSld>
+  <p:clrMapOvr>
+    <a:masterClrMapping/>
+  </p:clrMapOvr>
+</p:sld>
+</file>
+
+<file path=ppt/slides/slide10.xml><?xml version="1.0" encoding="utf-8"?>
+<p:sld xmlns:a="http://schemas.openxmlformats.org/drawingml/2006/main" xmlns:r="http://schemas.openxmlformats.org/officeDocument/2006/relationships" xmlns:p="http://schemas.openxmlformats.org/presentationml/2006/main">
+  <p:cSld>
+    <p:spTree>
+      <p:nvGrpSpPr>
+        <p:cNvPr id="1" name=""/>
+        <p:cNvGrpSpPr/>
+        <p:nvPr/>
+      </p:nvGrpSpPr>
+      <p:grpSpPr>
+        <a:xfrm>
+          <a:off x="0" y="0"/>
+          <a:ext cx="0" cy="0"/>
+          <a:chOff x="0" y="0"/>
+          <a:chExt cx="0" cy="0"/>
+        </a:xfrm>
+      </p:grpSpPr>
+      <p:sp>
+        <p:nvSpPr>
+          <p:cNvPr id="2" name="Title 1">
+            <a:extLst>
+              <a:ext uri="{FF2B5EF4-FFF2-40B4-BE49-F238E27FC236}">
+                <a16:creationId xmlns:a16="http://schemas.microsoft.com/office/drawing/2014/main" id="{D8BD425C-FA04-2142-9F78-14BCFFCFA908}"/>
+              </a:ext>
+            </a:extLst>
+          </p:cNvPr>
+          <p:cNvSpPr>
+            <a:spLocks noGrp="1"/>
+          </p:cNvSpPr>
+          <p:nvPr>
+            <p:ph type="title"/>
+          </p:nvPr>
+        </p:nvSpPr>
+        <p:spPr/>
+        <p:txBody>
+          <a:bodyPr/>
+          <a:lstStyle/>
+          <a:p>
+            <a:r>
+              <a:rPr lang="en-US" dirty="0"/>
+              <a:t>Reusable scripts</a:t>
+            </a:r>
+          </a:p>
+        </p:txBody>
+      </p:sp>
+      <p:pic>
+        <p:nvPicPr>
+          <p:cNvPr id="5" name="Content Placeholder 4">
+            <a:extLst>
+              <a:ext uri="{FF2B5EF4-FFF2-40B4-BE49-F238E27FC236}">
+                <a16:creationId xmlns:a16="http://schemas.microsoft.com/office/drawing/2014/main" id="{CCA2664B-C06A-5842-8FF5-3F4112F41CB4}"/>
+              </a:ext>
+            </a:extLst>
+          </p:cNvPr>
+          <p:cNvPicPr>
+            <a:picLocks noGrp="1" noChangeAspect="1"/>
+          </p:cNvPicPr>
+          <p:nvPr>
+            <p:ph idx="1"/>
+          </p:nvPr>
+        </p:nvPicPr>
+        <p:blipFill>
+          <a:blip r:embed="rId2"/>
+          <a:stretch>
+            <a:fillRect/>
+          </a:stretch>
+        </p:blipFill>
+        <p:spPr>
+          <a:xfrm>
+            <a:off x="838200" y="3434513"/>
+            <a:ext cx="10515600" cy="1133562"/>
+          </a:xfrm>
+        </p:spPr>
+      </p:pic>
+    </p:spTree>
+    <p:extLst>
+      <p:ext uri="{BB962C8B-B14F-4D97-AF65-F5344CB8AC3E}">
+        <p14:creationId xmlns:p14="http://schemas.microsoft.com/office/powerpoint/2010/main" val="345507525"/>
+      </p:ext>
+    </p:extLst>
+  </p:cSld>
+  <p:clrMapOvr>
+    <a:masterClrMapping/>
+  </p:clrMapOvr>
+</p:sld>
+</file>
+
+<file path=ppt/slides/slide11.xml><?xml version="1.0" encoding="utf-8"?>
+<p:sld xmlns:a="http://schemas.openxmlformats.org/drawingml/2006/main" xmlns:r="http://schemas.openxmlformats.org/officeDocument/2006/relationships" xmlns:p="http://schemas.openxmlformats.org/presentationml/2006/main">
+  <p:cSld>
+    <p:spTree>
+      <p:nvGrpSpPr>
+        <p:cNvPr id="1" name=""/>
+        <p:cNvGrpSpPr/>
+        <p:nvPr/>
+      </p:nvGrpSpPr>
+      <p:grpSpPr>
+        <a:xfrm>
+          <a:off x="0" y="0"/>
+          <a:ext cx="0" cy="0"/>
+          <a:chOff x="0" y="0"/>
+          <a:chExt cx="0" cy="0"/>
+        </a:xfrm>
+      </p:grpSpPr>
+      <p:sp>
+        <p:nvSpPr>
+          <p:cNvPr id="2" name="Title 1">
+            <a:extLst>
+              <a:ext uri="{FF2B5EF4-FFF2-40B4-BE49-F238E27FC236}">
+                <a16:creationId xmlns:a16="http://schemas.microsoft.com/office/drawing/2014/main" id="{6D307459-8F88-3D48-ACA2-4B03797D8ED1}"/>
+              </a:ext>
+            </a:extLst>
+          </p:cNvPr>
+          <p:cNvSpPr>
+            <a:spLocks noGrp="1"/>
+          </p:cNvSpPr>
+          <p:nvPr>
+            <p:ph type="title"/>
+          </p:nvPr>
+        </p:nvSpPr>
+        <p:spPr/>
+        <p:txBody>
+          <a:bodyPr/>
+          <a:lstStyle/>
+          <a:p>
+            <a:r>
+              <a:rPr lang="en-US" dirty="0"/>
+              <a:t>Homework</a:t>
+            </a:r>
+          </a:p>
+        </p:txBody>
+      </p:sp>
+      <p:sp>
+        <p:nvSpPr>
+          <p:cNvPr id="3" name="Content Placeholder 2">
+            <a:extLst>
+              <a:ext uri="{FF2B5EF4-FFF2-40B4-BE49-F238E27FC236}">
+                <a16:creationId xmlns:a16="http://schemas.microsoft.com/office/drawing/2014/main" id="{9A424757-C70D-A34E-B349-3EF21F170DF6}"/>
+              </a:ext>
+            </a:extLst>
+          </p:cNvPr>
+          <p:cNvSpPr>
+            <a:spLocks noGrp="1"/>
+          </p:cNvSpPr>
+          <p:nvPr>
+            <p:ph idx="1"/>
+          </p:nvPr>
+        </p:nvSpPr>
+        <p:spPr/>
+        <p:txBody>
+          <a:bodyPr/>
+          <a:lstStyle/>
+          <a:p>
+            <a:r>
+              <a:rPr lang="en-US" dirty="0"/>
+              <a:t>Take your RNA-seq data table that was mapped to gene IDs from before and remap to gene names </a:t>
+            </a:r>
+          </a:p>
+          <a:p>
+            <a:endParaRPr lang="en-US" dirty="0"/>
+          </a:p>
+          <a:p>
+            <a:pPr marL="0" indent="0">
+              <a:buNone/>
+            </a:pPr>
+            <a:r>
+              <a:rPr lang="en-US" dirty="0"/>
+              <a:t>- if you haven’t gotten that far, an example data table is available in the folder for this lesson on the GitHub repository</a:t>
+            </a:r>
+          </a:p>
+          <a:p>
+            <a:endParaRPr lang="en-US" dirty="0"/>
+          </a:p>
+        </p:txBody>
+      </p:sp>
+    </p:spTree>
+    <p:extLst>
+      <p:ext uri="{BB962C8B-B14F-4D97-AF65-F5344CB8AC3E}">
+        <p14:creationId xmlns:p14="http://schemas.microsoft.com/office/powerpoint/2010/main" val="1597638863"/>
+      </p:ext>
+    </p:extLst>
+  </p:cSld>
+  <p:clrMapOvr>
+    <a:masterClrMapping/>
+  </p:clrMapOvr>
+</p:sld>
+</file>
+
+<file path=ppt/slides/slide2.xml><?xml version="1.0" encoding="utf-8"?>
+<p:sld xmlns:a="http://schemas.openxmlformats.org/drawingml/2006/main" xmlns:r="http://schemas.openxmlformats.org/officeDocument/2006/relationships" xmlns:p="http://schemas.openxmlformats.org/presentationml/2006/main">
+  <p:cSld>
+    <p:spTree>
+      <p:nvGrpSpPr>
+        <p:cNvPr id="1" name=""/>
+        <p:cNvGrpSpPr/>
+        <p:nvPr/>
+      </p:nvGrpSpPr>
+      <p:grpSpPr>
+        <a:xfrm>
+          <a:off x="0" y="0"/>
+          <a:ext cx="0" cy="0"/>
+          <a:chOff x="0" y="0"/>
+          <a:chExt cx="0" cy="0"/>
+        </a:xfrm>
+      </p:grpSpPr>
+      <p:sp>
+        <p:nvSpPr>
+          <p:cNvPr id="2" name="Title 1">
+            <a:extLst>
+              <a:ext uri="{FF2B5EF4-FFF2-40B4-BE49-F238E27FC236}">
                 <a16:creationId xmlns:a16="http://schemas.microsoft.com/office/drawing/2014/main" id="{D84FD462-78F6-1744-88DC-90F986F10A2F}"/>
               </a:ext>
             </a:extLst>
@@ -3837,7 +4142,7 @@
           </a:p>
           <a:p>
             <a:r>
-              <a:rPr lang="en-US"/>
+              <a:rPr lang="en-US" dirty="0"/>
               <a:t>Reusable script</a:t>
             </a:r>
           </a:p>
@@ -3850,6 +4155,686 @@
     <p:extLst>
       <p:ext uri="{BB962C8B-B14F-4D97-AF65-F5344CB8AC3E}">
         <p14:creationId xmlns:p14="http://schemas.microsoft.com/office/powerpoint/2010/main" val="1185113121"/>
+      </p:ext>
+    </p:extLst>
+  </p:cSld>
+  <p:clrMapOvr>
+    <a:masterClrMapping/>
+  </p:clrMapOvr>
+</p:sld>
+</file>
+
+<file path=ppt/slides/slide3.xml><?xml version="1.0" encoding="utf-8"?>
+<p:sld xmlns:a="http://schemas.openxmlformats.org/drawingml/2006/main" xmlns:r="http://schemas.openxmlformats.org/officeDocument/2006/relationships" xmlns:p="http://schemas.openxmlformats.org/presentationml/2006/main">
+  <p:cSld>
+    <p:spTree>
+      <p:nvGrpSpPr>
+        <p:cNvPr id="1" name=""/>
+        <p:cNvGrpSpPr/>
+        <p:nvPr/>
+      </p:nvGrpSpPr>
+      <p:grpSpPr>
+        <a:xfrm>
+          <a:off x="0" y="0"/>
+          <a:ext cx="0" cy="0"/>
+          <a:chOff x="0" y="0"/>
+          <a:chExt cx="0" cy="0"/>
+        </a:xfrm>
+      </p:grpSpPr>
+      <p:sp>
+        <p:nvSpPr>
+          <p:cNvPr id="2" name="Title 1">
+            <a:extLst>
+              <a:ext uri="{FF2B5EF4-FFF2-40B4-BE49-F238E27FC236}">
+                <a16:creationId xmlns:a16="http://schemas.microsoft.com/office/drawing/2014/main" id="{3F4D43F3-E25D-364F-8EC6-38CD6EC6A952}"/>
+              </a:ext>
+            </a:extLst>
+          </p:cNvPr>
+          <p:cNvSpPr>
+            <a:spLocks noGrp="1"/>
+          </p:cNvSpPr>
+          <p:nvPr>
+            <p:ph type="title"/>
+          </p:nvPr>
+        </p:nvSpPr>
+        <p:spPr/>
+        <p:txBody>
+          <a:bodyPr/>
+          <a:lstStyle/>
+          <a:p>
+            <a:r>
+              <a:rPr lang="en-US" dirty="0"/>
+              <a:t>Modularity</a:t>
+            </a:r>
+          </a:p>
+        </p:txBody>
+      </p:sp>
+      <p:sp>
+        <p:nvSpPr>
+          <p:cNvPr id="3" name="Content Placeholder 2">
+            <a:extLst>
+              <a:ext uri="{FF2B5EF4-FFF2-40B4-BE49-F238E27FC236}">
+                <a16:creationId xmlns:a16="http://schemas.microsoft.com/office/drawing/2014/main" id="{0EF09263-4BF4-B443-A345-062F6759FB53}"/>
+              </a:ext>
+            </a:extLst>
+          </p:cNvPr>
+          <p:cNvSpPr>
+            <a:spLocks noGrp="1"/>
+          </p:cNvSpPr>
+          <p:nvPr>
+            <p:ph idx="1"/>
+          </p:nvPr>
+        </p:nvSpPr>
+        <p:spPr/>
+        <p:txBody>
+          <a:bodyPr>
+            <a:normAutofit lnSpcReduction="10000"/>
+          </a:bodyPr>
+          <a:lstStyle/>
+          <a:p>
+            <a:r>
+              <a:rPr lang="en-US" dirty="0"/>
+              <a:t>Plan how to break up complex tasks using pseudocode and make each task a function</a:t>
+            </a:r>
+          </a:p>
+          <a:p>
+            <a:endParaRPr lang="en-US" dirty="0"/>
+          </a:p>
+          <a:p>
+            <a:pPr marL="0" indent="0">
+              <a:buNone/>
+            </a:pPr>
+            <a:r>
+              <a:rPr lang="en-US" dirty="0"/>
+              <a:t>Goals:</a:t>
+            </a:r>
+          </a:p>
+          <a:p>
+            <a:pPr>
+              <a:buFontTx/>
+              <a:buChar char="-"/>
+            </a:pPr>
+            <a:r>
+              <a:rPr lang="en-US" dirty="0"/>
+              <a:t>Use an organism’s GTF file as input</a:t>
+            </a:r>
+          </a:p>
+          <a:p>
+            <a:pPr>
+              <a:buFontTx/>
+              <a:buChar char="-"/>
+            </a:pPr>
+            <a:r>
+              <a:rPr lang="en-US" dirty="0"/>
+              <a:t>Parse out matching gene IDs and names</a:t>
+            </a:r>
+          </a:p>
+          <a:p>
+            <a:pPr>
+              <a:buFontTx/>
+              <a:buChar char="-"/>
+            </a:pPr>
+            <a:r>
+              <a:rPr lang="en-US" dirty="0"/>
+              <a:t>Import user </a:t>
+            </a:r>
+            <a:r>
+              <a:rPr lang="en-US" dirty="0" err="1"/>
+              <a:t>datatable</a:t>
+            </a:r>
+            <a:r>
+              <a:rPr lang="en-US" dirty="0"/>
+              <a:t> </a:t>
+            </a:r>
+          </a:p>
+          <a:p>
+            <a:pPr>
+              <a:buFontTx/>
+              <a:buChar char="-"/>
+            </a:pPr>
+            <a:r>
+              <a:rPr lang="en-US" dirty="0"/>
+              <a:t>Map gene dictionary to row names</a:t>
+            </a:r>
+          </a:p>
+          <a:p>
+            <a:pPr>
+              <a:buFontTx/>
+              <a:buChar char="-"/>
+            </a:pPr>
+            <a:r>
+              <a:rPr lang="en-US" dirty="0"/>
+              <a:t>Output modified table</a:t>
+            </a:r>
+          </a:p>
+        </p:txBody>
+      </p:sp>
+    </p:spTree>
+    <p:extLst>
+      <p:ext uri="{BB962C8B-B14F-4D97-AF65-F5344CB8AC3E}">
+        <p14:creationId xmlns:p14="http://schemas.microsoft.com/office/powerpoint/2010/main" val="2832202237"/>
+      </p:ext>
+    </p:extLst>
+  </p:cSld>
+  <p:clrMapOvr>
+    <a:masterClrMapping/>
+  </p:clrMapOvr>
+</p:sld>
+</file>
+
+<file path=ppt/slides/slide4.xml><?xml version="1.0" encoding="utf-8"?>
+<p:sld xmlns:a="http://schemas.openxmlformats.org/drawingml/2006/main" xmlns:r="http://schemas.openxmlformats.org/officeDocument/2006/relationships" xmlns:p="http://schemas.openxmlformats.org/presentationml/2006/main">
+  <p:cSld>
+    <p:spTree>
+      <p:nvGrpSpPr>
+        <p:cNvPr id="1" name=""/>
+        <p:cNvGrpSpPr/>
+        <p:nvPr/>
+      </p:nvGrpSpPr>
+      <p:grpSpPr>
+        <a:xfrm>
+          <a:off x="0" y="0"/>
+          <a:ext cx="0" cy="0"/>
+          <a:chOff x="0" y="0"/>
+          <a:chExt cx="0" cy="0"/>
+        </a:xfrm>
+      </p:grpSpPr>
+      <p:sp>
+        <p:nvSpPr>
+          <p:cNvPr id="2" name="Title 1">
+            <a:extLst>
+              <a:ext uri="{FF2B5EF4-FFF2-40B4-BE49-F238E27FC236}">
+                <a16:creationId xmlns:a16="http://schemas.microsoft.com/office/drawing/2014/main" id="{4A56E0FE-B8E8-2E4B-B497-83801C1D7FB5}"/>
+              </a:ext>
+            </a:extLst>
+          </p:cNvPr>
+          <p:cNvSpPr>
+            <a:spLocks noGrp="1"/>
+          </p:cNvSpPr>
+          <p:nvPr>
+            <p:ph type="title"/>
+          </p:nvPr>
+        </p:nvSpPr>
+        <p:spPr/>
+        <p:txBody>
+          <a:bodyPr/>
+          <a:lstStyle/>
+          <a:p>
+            <a:r>
+              <a:rPr lang="en-US" dirty="0"/>
+              <a:t>Getting a user’s inputs</a:t>
+            </a:r>
+          </a:p>
+        </p:txBody>
+      </p:sp>
+      <p:pic>
+        <p:nvPicPr>
+          <p:cNvPr id="5" name="Content Placeholder 4">
+            <a:extLst>
+              <a:ext uri="{FF2B5EF4-FFF2-40B4-BE49-F238E27FC236}">
+                <a16:creationId xmlns:a16="http://schemas.microsoft.com/office/drawing/2014/main" id="{9E553379-2944-EB46-AE6B-6EE576CB75B0}"/>
+              </a:ext>
+            </a:extLst>
+          </p:cNvPr>
+          <p:cNvPicPr>
+            <a:picLocks noGrp="1" noChangeAspect="1"/>
+          </p:cNvPicPr>
+          <p:nvPr>
+            <p:ph idx="1"/>
+          </p:nvPr>
+        </p:nvPicPr>
+        <p:blipFill>
+          <a:blip r:embed="rId2"/>
+          <a:stretch>
+            <a:fillRect/>
+          </a:stretch>
+        </p:blipFill>
+        <p:spPr>
+          <a:xfrm>
+            <a:off x="1877748" y="1825625"/>
+            <a:ext cx="8436503" cy="4351338"/>
+          </a:xfrm>
+        </p:spPr>
+      </p:pic>
+    </p:spTree>
+    <p:extLst>
+      <p:ext uri="{BB962C8B-B14F-4D97-AF65-F5344CB8AC3E}">
+        <p14:creationId xmlns:p14="http://schemas.microsoft.com/office/powerpoint/2010/main" val="1146412799"/>
+      </p:ext>
+    </p:extLst>
+  </p:cSld>
+  <p:clrMapOvr>
+    <a:masterClrMapping/>
+  </p:clrMapOvr>
+</p:sld>
+</file>
+
+<file path=ppt/slides/slide5.xml><?xml version="1.0" encoding="utf-8"?>
+<p:sld xmlns:a="http://schemas.openxmlformats.org/drawingml/2006/main" xmlns:r="http://schemas.openxmlformats.org/officeDocument/2006/relationships" xmlns:p="http://schemas.openxmlformats.org/presentationml/2006/main">
+  <p:cSld>
+    <p:spTree>
+      <p:nvGrpSpPr>
+        <p:cNvPr id="1" name=""/>
+        <p:cNvGrpSpPr/>
+        <p:nvPr/>
+      </p:nvGrpSpPr>
+      <p:grpSpPr>
+        <a:xfrm>
+          <a:off x="0" y="0"/>
+          <a:ext cx="0" cy="0"/>
+          <a:chOff x="0" y="0"/>
+          <a:chExt cx="0" cy="0"/>
+        </a:xfrm>
+      </p:grpSpPr>
+      <p:sp>
+        <p:nvSpPr>
+          <p:cNvPr id="2" name="Title 1">
+            <a:extLst>
+              <a:ext uri="{FF2B5EF4-FFF2-40B4-BE49-F238E27FC236}">
+                <a16:creationId xmlns:a16="http://schemas.microsoft.com/office/drawing/2014/main" id="{50B7A596-6709-4A48-8893-AB6AD849D866}"/>
+              </a:ext>
+            </a:extLst>
+          </p:cNvPr>
+          <p:cNvSpPr>
+            <a:spLocks noGrp="1"/>
+          </p:cNvSpPr>
+          <p:nvPr>
+            <p:ph type="title"/>
+          </p:nvPr>
+        </p:nvSpPr>
+        <p:spPr/>
+        <p:txBody>
+          <a:bodyPr/>
+          <a:lstStyle/>
+          <a:p>
+            <a:r>
+              <a:rPr lang="en-US" dirty="0"/>
+              <a:t>Importing data</a:t>
+            </a:r>
+          </a:p>
+        </p:txBody>
+      </p:sp>
+      <p:pic>
+        <p:nvPicPr>
+          <p:cNvPr id="5" name="Content Placeholder 4">
+            <a:extLst>
+              <a:ext uri="{FF2B5EF4-FFF2-40B4-BE49-F238E27FC236}">
+                <a16:creationId xmlns:a16="http://schemas.microsoft.com/office/drawing/2014/main" id="{963C0C9F-EADA-0B4A-A496-9E0D4F1296C2}"/>
+              </a:ext>
+            </a:extLst>
+          </p:cNvPr>
+          <p:cNvPicPr>
+            <a:picLocks noGrp="1" noChangeAspect="1"/>
+          </p:cNvPicPr>
+          <p:nvPr>
+            <p:ph idx="1"/>
+          </p:nvPr>
+        </p:nvPicPr>
+        <p:blipFill>
+          <a:blip r:embed="rId2"/>
+          <a:stretch>
+            <a:fillRect/>
+          </a:stretch>
+        </p:blipFill>
+        <p:spPr>
+          <a:xfrm>
+            <a:off x="1870954" y="1825625"/>
+            <a:ext cx="8450091" cy="4351338"/>
+          </a:xfrm>
+        </p:spPr>
+      </p:pic>
+    </p:spTree>
+    <p:extLst>
+      <p:ext uri="{BB962C8B-B14F-4D97-AF65-F5344CB8AC3E}">
+        <p14:creationId xmlns:p14="http://schemas.microsoft.com/office/powerpoint/2010/main" val="3798010571"/>
+      </p:ext>
+    </p:extLst>
+  </p:cSld>
+  <p:clrMapOvr>
+    <a:masterClrMapping/>
+  </p:clrMapOvr>
+</p:sld>
+</file>
+
+<file path=ppt/slides/slide6.xml><?xml version="1.0" encoding="utf-8"?>
+<p:sld xmlns:a="http://schemas.openxmlformats.org/drawingml/2006/main" xmlns:r="http://schemas.openxmlformats.org/officeDocument/2006/relationships" xmlns:p="http://schemas.openxmlformats.org/presentationml/2006/main">
+  <p:cSld>
+    <p:spTree>
+      <p:nvGrpSpPr>
+        <p:cNvPr id="1" name=""/>
+        <p:cNvGrpSpPr/>
+        <p:nvPr/>
+      </p:nvGrpSpPr>
+      <p:grpSpPr>
+        <a:xfrm>
+          <a:off x="0" y="0"/>
+          <a:ext cx="0" cy="0"/>
+          <a:chOff x="0" y="0"/>
+          <a:chExt cx="0" cy="0"/>
+        </a:xfrm>
+      </p:grpSpPr>
+      <p:sp>
+        <p:nvSpPr>
+          <p:cNvPr id="2" name="Title 1">
+            <a:extLst>
+              <a:ext uri="{FF2B5EF4-FFF2-40B4-BE49-F238E27FC236}">
+                <a16:creationId xmlns:a16="http://schemas.microsoft.com/office/drawing/2014/main" id="{D23A1705-E942-5740-9090-616BB4F023B2}"/>
+              </a:ext>
+            </a:extLst>
+          </p:cNvPr>
+          <p:cNvSpPr>
+            <a:spLocks noGrp="1"/>
+          </p:cNvSpPr>
+          <p:nvPr>
+            <p:ph type="title"/>
+          </p:nvPr>
+        </p:nvSpPr>
+        <p:spPr/>
+        <p:txBody>
+          <a:bodyPr/>
+          <a:lstStyle/>
+          <a:p>
+            <a:r>
+              <a:rPr lang="en-US" dirty="0"/>
+              <a:t>Making a gene dictionary</a:t>
+            </a:r>
+          </a:p>
+        </p:txBody>
+      </p:sp>
+      <p:pic>
+        <p:nvPicPr>
+          <p:cNvPr id="5" name="Content Placeholder 4">
+            <a:extLst>
+              <a:ext uri="{FF2B5EF4-FFF2-40B4-BE49-F238E27FC236}">
+                <a16:creationId xmlns:a16="http://schemas.microsoft.com/office/drawing/2014/main" id="{01D9DCB4-DFB4-604B-B674-801BDAE6F825}"/>
+              </a:ext>
+            </a:extLst>
+          </p:cNvPr>
+          <p:cNvPicPr>
+            <a:picLocks noGrp="1" noChangeAspect="1"/>
+          </p:cNvPicPr>
+          <p:nvPr>
+            <p:ph idx="1"/>
+          </p:nvPr>
+        </p:nvPicPr>
+        <p:blipFill>
+          <a:blip r:embed="rId2"/>
+          <a:stretch>
+            <a:fillRect/>
+          </a:stretch>
+        </p:blipFill>
+        <p:spPr>
+          <a:xfrm>
+            <a:off x="1454150" y="2159794"/>
+            <a:ext cx="9283700" cy="3683000"/>
+          </a:xfrm>
+        </p:spPr>
+      </p:pic>
+    </p:spTree>
+    <p:extLst>
+      <p:ext uri="{BB962C8B-B14F-4D97-AF65-F5344CB8AC3E}">
+        <p14:creationId xmlns:p14="http://schemas.microsoft.com/office/powerpoint/2010/main" val="2004696104"/>
+      </p:ext>
+    </p:extLst>
+  </p:cSld>
+  <p:clrMapOvr>
+    <a:masterClrMapping/>
+  </p:clrMapOvr>
+</p:sld>
+</file>
+
+<file path=ppt/slides/slide7.xml><?xml version="1.0" encoding="utf-8"?>
+<p:sld xmlns:a="http://schemas.openxmlformats.org/drawingml/2006/main" xmlns:r="http://schemas.openxmlformats.org/officeDocument/2006/relationships" xmlns:p="http://schemas.openxmlformats.org/presentationml/2006/main">
+  <p:cSld>
+    <p:spTree>
+      <p:nvGrpSpPr>
+        <p:cNvPr id="1" name=""/>
+        <p:cNvGrpSpPr/>
+        <p:nvPr/>
+      </p:nvGrpSpPr>
+      <p:grpSpPr>
+        <a:xfrm>
+          <a:off x="0" y="0"/>
+          <a:ext cx="0" cy="0"/>
+          <a:chOff x="0" y="0"/>
+          <a:chExt cx="0" cy="0"/>
+        </a:xfrm>
+      </p:grpSpPr>
+      <p:sp>
+        <p:nvSpPr>
+          <p:cNvPr id="2" name="Title 1">
+            <a:extLst>
+              <a:ext uri="{FF2B5EF4-FFF2-40B4-BE49-F238E27FC236}">
+                <a16:creationId xmlns:a16="http://schemas.microsoft.com/office/drawing/2014/main" id="{71729B57-B57F-074C-BEBE-D3C1CDB0608C}"/>
+              </a:ext>
+            </a:extLst>
+          </p:cNvPr>
+          <p:cNvSpPr>
+            <a:spLocks noGrp="1"/>
+          </p:cNvSpPr>
+          <p:nvPr>
+            <p:ph type="title"/>
+          </p:nvPr>
+        </p:nvSpPr>
+        <p:spPr/>
+        <p:txBody>
+          <a:bodyPr/>
+          <a:lstStyle/>
+          <a:p>
+            <a:r>
+              <a:rPr lang="en-US" dirty="0"/>
+              <a:t>Mapping gene IDs and gene names</a:t>
+            </a:r>
+          </a:p>
+        </p:txBody>
+      </p:sp>
+      <p:pic>
+        <p:nvPicPr>
+          <p:cNvPr id="5" name="Content Placeholder 4">
+            <a:extLst>
+              <a:ext uri="{FF2B5EF4-FFF2-40B4-BE49-F238E27FC236}">
+                <a16:creationId xmlns:a16="http://schemas.microsoft.com/office/drawing/2014/main" id="{F2DC64E6-9B20-DB4C-8930-88ADDB871BED}"/>
+              </a:ext>
+            </a:extLst>
+          </p:cNvPr>
+          <p:cNvPicPr>
+            <a:picLocks noGrp="1" noChangeAspect="1"/>
+          </p:cNvPicPr>
+          <p:nvPr>
+            <p:ph idx="1"/>
+          </p:nvPr>
+        </p:nvPicPr>
+        <p:blipFill>
+          <a:blip r:embed="rId2"/>
+          <a:stretch>
+            <a:fillRect/>
+          </a:stretch>
+        </p:blipFill>
+        <p:spPr>
+          <a:xfrm>
+            <a:off x="1435100" y="2756694"/>
+            <a:ext cx="9321800" cy="2489200"/>
+          </a:xfrm>
+        </p:spPr>
+      </p:pic>
+    </p:spTree>
+    <p:extLst>
+      <p:ext uri="{BB962C8B-B14F-4D97-AF65-F5344CB8AC3E}">
+        <p14:creationId xmlns:p14="http://schemas.microsoft.com/office/powerpoint/2010/main" val="2580130454"/>
+      </p:ext>
+    </p:extLst>
+  </p:cSld>
+  <p:clrMapOvr>
+    <a:masterClrMapping/>
+  </p:clrMapOvr>
+</p:sld>
+</file>
+
+<file path=ppt/slides/slide8.xml><?xml version="1.0" encoding="utf-8"?>
+<p:sld xmlns:a="http://schemas.openxmlformats.org/drawingml/2006/main" xmlns:r="http://schemas.openxmlformats.org/officeDocument/2006/relationships" xmlns:p="http://schemas.openxmlformats.org/presentationml/2006/main">
+  <p:cSld>
+    <p:spTree>
+      <p:nvGrpSpPr>
+        <p:cNvPr id="1" name=""/>
+        <p:cNvGrpSpPr/>
+        <p:nvPr/>
+      </p:nvGrpSpPr>
+      <p:grpSpPr>
+        <a:xfrm>
+          <a:off x="0" y="0"/>
+          <a:ext cx="0" cy="0"/>
+          <a:chOff x="0" y="0"/>
+          <a:chExt cx="0" cy="0"/>
+        </a:xfrm>
+      </p:grpSpPr>
+      <p:sp>
+        <p:nvSpPr>
+          <p:cNvPr id="2" name="Title 1">
+            <a:extLst>
+              <a:ext uri="{FF2B5EF4-FFF2-40B4-BE49-F238E27FC236}">
+                <a16:creationId xmlns:a16="http://schemas.microsoft.com/office/drawing/2014/main" id="{DCFF0890-7A03-C64B-923F-E393E1893D5E}"/>
+              </a:ext>
+            </a:extLst>
+          </p:cNvPr>
+          <p:cNvSpPr>
+            <a:spLocks noGrp="1"/>
+          </p:cNvSpPr>
+          <p:nvPr>
+            <p:ph type="title"/>
+          </p:nvPr>
+        </p:nvSpPr>
+        <p:spPr/>
+        <p:txBody>
+          <a:bodyPr/>
+          <a:lstStyle/>
+          <a:p>
+            <a:r>
+              <a:rPr lang="en-US" dirty="0"/>
+              <a:t>Output Data</a:t>
+            </a:r>
+          </a:p>
+        </p:txBody>
+      </p:sp>
+      <p:pic>
+        <p:nvPicPr>
+          <p:cNvPr id="5" name="Content Placeholder 4">
+            <a:extLst>
+              <a:ext uri="{FF2B5EF4-FFF2-40B4-BE49-F238E27FC236}">
+                <a16:creationId xmlns:a16="http://schemas.microsoft.com/office/drawing/2014/main" id="{A70DA439-B147-C74A-A856-DE2458D224BA}"/>
+              </a:ext>
+            </a:extLst>
+          </p:cNvPr>
+          <p:cNvPicPr>
+            <a:picLocks noGrp="1" noChangeAspect="1"/>
+          </p:cNvPicPr>
+          <p:nvPr>
+            <p:ph idx="1"/>
+          </p:nvPr>
+        </p:nvPicPr>
+        <p:blipFill>
+          <a:blip r:embed="rId2"/>
+          <a:stretch>
+            <a:fillRect/>
+          </a:stretch>
+        </p:blipFill>
+        <p:spPr>
+          <a:xfrm>
+            <a:off x="1403350" y="2763044"/>
+            <a:ext cx="9385300" cy="2476500"/>
+          </a:xfrm>
+        </p:spPr>
+      </p:pic>
+    </p:spTree>
+    <p:extLst>
+      <p:ext uri="{BB962C8B-B14F-4D97-AF65-F5344CB8AC3E}">
+        <p14:creationId xmlns:p14="http://schemas.microsoft.com/office/powerpoint/2010/main" val="1590267634"/>
+      </p:ext>
+    </p:extLst>
+  </p:cSld>
+  <p:clrMapOvr>
+    <a:masterClrMapping/>
+  </p:clrMapOvr>
+</p:sld>
+</file>
+
+<file path=ppt/slides/slide9.xml><?xml version="1.0" encoding="utf-8"?>
+<p:sld xmlns:a="http://schemas.openxmlformats.org/drawingml/2006/main" xmlns:r="http://schemas.openxmlformats.org/officeDocument/2006/relationships" xmlns:p="http://schemas.openxmlformats.org/presentationml/2006/main">
+  <p:cSld>
+    <p:spTree>
+      <p:nvGrpSpPr>
+        <p:cNvPr id="1" name=""/>
+        <p:cNvGrpSpPr/>
+        <p:nvPr/>
+      </p:nvGrpSpPr>
+      <p:grpSpPr>
+        <a:xfrm>
+          <a:off x="0" y="0"/>
+          <a:ext cx="0" cy="0"/>
+          <a:chOff x="0" y="0"/>
+          <a:chExt cx="0" cy="0"/>
+        </a:xfrm>
+      </p:grpSpPr>
+      <p:sp>
+        <p:nvSpPr>
+          <p:cNvPr id="2" name="Title 1">
+            <a:extLst>
+              <a:ext uri="{FF2B5EF4-FFF2-40B4-BE49-F238E27FC236}">
+                <a16:creationId xmlns:a16="http://schemas.microsoft.com/office/drawing/2014/main" id="{76589E5D-4DD8-D147-8519-D0DC4CA15BFC}"/>
+              </a:ext>
+            </a:extLst>
+          </p:cNvPr>
+          <p:cNvSpPr>
+            <a:spLocks noGrp="1"/>
+          </p:cNvSpPr>
+          <p:nvPr>
+            <p:ph type="title"/>
+          </p:nvPr>
+        </p:nvSpPr>
+        <p:spPr/>
+        <p:txBody>
+          <a:bodyPr/>
+          <a:lstStyle/>
+          <a:p>
+            <a:r>
+              <a:rPr lang="en-US" dirty="0"/>
+              <a:t>Tying it all together</a:t>
+            </a:r>
+          </a:p>
+        </p:txBody>
+      </p:sp>
+      <p:pic>
+        <p:nvPicPr>
+          <p:cNvPr id="5" name="Content Placeholder 4">
+            <a:extLst>
+              <a:ext uri="{FF2B5EF4-FFF2-40B4-BE49-F238E27FC236}">
+                <a16:creationId xmlns:a16="http://schemas.microsoft.com/office/drawing/2014/main" id="{CFD7D1BB-5C9B-A143-93E3-F5E25475D639}"/>
+              </a:ext>
+            </a:extLst>
+          </p:cNvPr>
+          <p:cNvPicPr>
+            <a:picLocks noGrp="1" noChangeAspect="1"/>
+          </p:cNvPicPr>
+          <p:nvPr>
+            <p:ph idx="1"/>
+          </p:nvPr>
+        </p:nvPicPr>
+        <p:blipFill>
+          <a:blip r:embed="rId2"/>
+          <a:stretch>
+            <a:fillRect/>
+          </a:stretch>
+        </p:blipFill>
+        <p:spPr>
+          <a:xfrm>
+            <a:off x="1441450" y="2902744"/>
+            <a:ext cx="9309100" cy="2197100"/>
+          </a:xfrm>
+        </p:spPr>
+      </p:pic>
+    </p:spTree>
+    <p:extLst>
+      <p:ext uri="{BB962C8B-B14F-4D97-AF65-F5344CB8AC3E}">
+        <p14:creationId xmlns:p14="http://schemas.microsoft.com/office/powerpoint/2010/main" val="811159265"/>
       </p:ext>
     </p:extLst>
   </p:cSld>
